--- a/Project/2015180012박건호 2D 게임 프로그래밍 프로젝트.pptx
+++ b/Project/2015180012박건호 2D 게임 프로그래밍 프로젝트.pptx
@@ -17642,42 +17642,6 @@
           <a:chExt cx="0" cy="0"/>
         </a:xfrm>
       </p:grpSpPr>
-      <p:pic>
-        <p:nvPicPr>
-          <p:cNvPr id="5" name="그림 4">
-            <a:extLst>
-              <a:ext uri="{FF2B5EF4-FFF2-40B4-BE49-F238E27FC236}">
-                <a16:creationId xmlns:a16="http://schemas.microsoft.com/office/drawing/2014/main" id="{4ED7C905-CD09-45BA-9E8F-7FA3B7BC267A}"/>
-              </a:ext>
-            </a:extLst>
-          </p:cNvPr>
-          <p:cNvPicPr>
-            <a:picLocks noChangeAspect="1"/>
-          </p:cNvPicPr>
-          <p:nvPr/>
-        </p:nvPicPr>
-        <p:blipFill>
-          <a:blip r:embed="rId3">
-            <a:extLst>
-              <a:ext uri="{28A0092B-C50C-407E-A947-70E740481C1C}">
-                <a14:useLocalDpi xmlns:a14="http://schemas.microsoft.com/office/drawing/2010/main" val="0"/>
-              </a:ext>
-            </a:extLst>
-          </a:blip>
-          <a:stretch>
-            <a:fillRect/>
-          </a:stretch>
-        </p:blipFill>
-        <p:spPr>
-          <a:xfrm>
-            <a:off x="114058" y="1731794"/>
-            <a:ext cx="5142449" cy="2884593"/>
-          </a:xfrm>
-          <a:prstGeom prst="rect">
-            <a:avLst/>
-          </a:prstGeom>
-        </p:spPr>
-      </p:pic>
       <p:sp>
         <p:nvSpPr>
           <p:cNvPr id="3" name="내용 개체 틀 2">
@@ -17696,158 +17660,157 @@
         </p:nvSpPr>
         <p:spPr>
           <a:xfrm>
-            <a:off x="1799181" y="4661426"/>
-            <a:ext cx="7955206" cy="2057400"/>
+            <a:off x="1799181" y="1899821"/>
+            <a:ext cx="7955206" cy="4552675"/>
           </a:xfrm>
         </p:spPr>
         <p:txBody>
           <a:bodyPr anchor="t">
-            <a:normAutofit lnSpcReduction="10000"/>
+            <a:normAutofit/>
           </a:bodyPr>
           <a:lstStyle/>
           <a:p>
             <a:r>
-              <a:rPr lang="en-US" altLang="ko-KR" sz="1400" dirty="0"/>
-              <a:t>slay the spire </a:t>
-            </a:r>
-            <a:r>
-              <a:rPr lang="ko-KR" altLang="en-US" sz="1400" dirty="0"/>
-              <a:t>형식의 </a:t>
-            </a:r>
-            <a:r>
-              <a:rPr lang="ko-KR" altLang="en-US" sz="1400" dirty="0" err="1"/>
+              <a:rPr lang="ko-KR" altLang="en-US" sz="2000" dirty="0" err="1"/>
               <a:t>턴제형</a:t>
             </a:r>
             <a:r>
-              <a:rPr lang="ko-KR" altLang="en-US" sz="1400" dirty="0"/>
+              <a:rPr lang="ko-KR" altLang="en-US" sz="2000" dirty="0"/>
               <a:t> </a:t>
             </a:r>
             <a:r>
-              <a:rPr lang="ko-KR" altLang="en-US" sz="1400" dirty="0" err="1"/>
+              <a:rPr lang="ko-KR" altLang="en-US" sz="2000" dirty="0" err="1"/>
               <a:t>덱</a:t>
             </a:r>
             <a:r>
-              <a:rPr lang="ko-KR" altLang="en-US" sz="1400" dirty="0"/>
+              <a:rPr lang="ko-KR" altLang="en-US" sz="2000" dirty="0"/>
               <a:t> 빌딩 카드게임</a:t>
             </a:r>
-            <a:endParaRPr lang="en-US" altLang="ko-KR" sz="1400" dirty="0"/>
+            <a:endParaRPr lang="en-US" altLang="ko-KR" sz="2000" dirty="0"/>
           </a:p>
           <a:p>
             <a:r>
-              <a:rPr lang="ko-KR" altLang="en-US" sz="1400" dirty="0"/>
+              <a:rPr lang="ko-KR" altLang="en-US" sz="2000" dirty="0"/>
               <a:t>자신이 고른 캐릭터의 스킬 카드와 공용카드를 조합하여 자신만의 </a:t>
             </a:r>
-            <a:endParaRPr lang="en-US" altLang="ko-KR" sz="1400" dirty="0"/>
+            <a:endParaRPr lang="en-US" altLang="ko-KR" sz="2000" dirty="0"/>
           </a:p>
           <a:p>
             <a:r>
-              <a:rPr lang="ko-KR" altLang="en-US" sz="1400" dirty="0" err="1"/>
+              <a:rPr lang="ko-KR" altLang="en-US" sz="2000" dirty="0" err="1"/>
               <a:t>덱을</a:t>
             </a:r>
             <a:r>
-              <a:rPr lang="ko-KR" altLang="en-US" sz="1400" dirty="0"/>
+              <a:rPr lang="ko-KR" altLang="en-US" sz="2000" dirty="0"/>
               <a:t> 구성하여 상대와 싸우게  된다</a:t>
             </a:r>
             <a:r>
-              <a:rPr lang="en-US" altLang="ko-KR" sz="1400" dirty="0"/>
+              <a:rPr lang="en-US" altLang="ko-KR" sz="2000" dirty="0"/>
               <a:t>.</a:t>
             </a:r>
           </a:p>
           <a:p>
             <a:r>
-              <a:rPr lang="ko-KR" altLang="en-US" sz="1400" dirty="0" err="1"/>
+              <a:rPr lang="ko-KR" altLang="en-US" sz="2000" dirty="0" err="1"/>
               <a:t>덱의</a:t>
             </a:r>
             <a:r>
-              <a:rPr lang="ko-KR" altLang="en-US" sz="1400" dirty="0"/>
+              <a:rPr lang="ko-KR" altLang="en-US" sz="2000" dirty="0"/>
               <a:t> 구성은 </a:t>
             </a:r>
             <a:r>
-              <a:rPr lang="en-US" altLang="ko-KR" sz="1400" dirty="0"/>
+              <a:rPr lang="en-US" altLang="ko-KR" sz="2000" dirty="0"/>
               <a:t>15</a:t>
             </a:r>
             <a:r>
-              <a:rPr lang="ko-KR" altLang="en-US" sz="1400" dirty="0"/>
-              <a:t>장으로 고정 되어있으며 같은 종류의 카드는 최대 </a:t>
+              <a:rPr lang="ko-KR" altLang="en-US" sz="2000" dirty="0"/>
+              <a:t>장으로 고정 되어있으며 같은 종류의 카드는 </a:t>
+            </a:r>
+            <a:endParaRPr lang="en-US" altLang="ko-KR" sz="2000"/>
+          </a:p>
+          <a:p>
+            <a:r>
+              <a:rPr lang="ko-KR" altLang="en-US" sz="2000"/>
+              <a:t>최대 </a:t>
             </a:r>
             <a:r>
-              <a:rPr lang="en-US" altLang="ko-KR" sz="1400" dirty="0"/>
+              <a:rPr lang="en-US" altLang="ko-KR" sz="2000" dirty="0"/>
               <a:t>3</a:t>
             </a:r>
             <a:r>
-              <a:rPr lang="ko-KR" altLang="en-US" sz="1400" dirty="0"/>
+              <a:rPr lang="ko-KR" altLang="en-US" sz="2000" dirty="0"/>
               <a:t>장 까지 넣을 수 있다</a:t>
             </a:r>
             <a:r>
-              <a:rPr lang="en-US" altLang="ko-KR" sz="1400" dirty="0"/>
+              <a:rPr lang="en-US" altLang="ko-KR" sz="2000" dirty="0"/>
               <a:t>.</a:t>
             </a:r>
           </a:p>
           <a:p>
             <a:r>
-              <a:rPr lang="en-US" altLang="ko-KR" sz="1400" dirty="0"/>
+              <a:rPr lang="en-US" altLang="ko-KR" sz="2000" dirty="0"/>
               <a:t> (Last Spell</a:t>
             </a:r>
             <a:r>
-              <a:rPr lang="ko-KR" altLang="en-US" sz="1400" dirty="0"/>
+              <a:rPr lang="ko-KR" altLang="en-US" sz="2000" dirty="0"/>
               <a:t>카드는 </a:t>
             </a:r>
             <a:r>
-              <a:rPr lang="en-US" altLang="ko-KR" sz="1400" dirty="0"/>
+              <a:rPr lang="en-US" altLang="ko-KR" sz="2000" dirty="0"/>
               <a:t>2</a:t>
             </a:r>
             <a:r>
-              <a:rPr lang="ko-KR" altLang="en-US" sz="1400" dirty="0"/>
+              <a:rPr lang="ko-KR" altLang="en-US" sz="2000" dirty="0"/>
               <a:t>장</a:t>
             </a:r>
             <a:r>
-              <a:rPr lang="en-US" altLang="ko-KR" sz="1400" dirty="0"/>
+              <a:rPr lang="en-US" altLang="ko-KR" sz="2000" dirty="0"/>
               <a:t>)</a:t>
             </a:r>
           </a:p>
           <a:p>
             <a:r>
-              <a:rPr lang="ko-KR" altLang="en-US" sz="1400" dirty="0"/>
+              <a:rPr lang="ko-KR" altLang="en-US" sz="2000" dirty="0"/>
               <a:t>플레이어의 턴이 오면  </a:t>
             </a:r>
             <a:r>
-              <a:rPr lang="ko-KR" altLang="en-US" sz="1400" dirty="0" err="1"/>
+              <a:rPr lang="ko-KR" altLang="en-US" sz="2000" dirty="0" err="1"/>
               <a:t>덱에서</a:t>
             </a:r>
             <a:r>
-              <a:rPr lang="ko-KR" altLang="en-US" sz="1400" dirty="0"/>
+              <a:rPr lang="ko-KR" altLang="en-US" sz="2000" dirty="0"/>
               <a:t>  랜덤으로 카드 </a:t>
             </a:r>
             <a:r>
-              <a:rPr lang="en-US" altLang="ko-KR" sz="1400" dirty="0"/>
+              <a:rPr lang="en-US" altLang="ko-KR" sz="2000" dirty="0"/>
               <a:t>3</a:t>
             </a:r>
             <a:r>
-              <a:rPr lang="ko-KR" altLang="en-US" sz="1400" dirty="0"/>
+              <a:rPr lang="ko-KR" altLang="en-US" sz="2000" dirty="0"/>
               <a:t>장이 나오고 </a:t>
             </a:r>
-            <a:endParaRPr lang="en-US" altLang="ko-KR" sz="1400" dirty="0"/>
+            <a:endParaRPr lang="en-US" altLang="ko-KR" sz="2000" dirty="0"/>
           </a:p>
           <a:p>
             <a:r>
-              <a:rPr lang="ko-KR" altLang="en-US" sz="1400" dirty="0"/>
+              <a:rPr lang="ko-KR" altLang="en-US" sz="2000" dirty="0"/>
               <a:t>플레이어는 그 중에서 한 장을 골라 공격 또는 방어를 하게 된다</a:t>
             </a:r>
             <a:r>
-              <a:rPr lang="en-US" altLang="ko-KR" sz="1400" dirty="0"/>
+              <a:rPr lang="en-US" altLang="ko-KR" sz="2000" dirty="0"/>
               <a:t>.</a:t>
             </a:r>
           </a:p>
           <a:p>
             <a:r>
-              <a:rPr lang="ko-KR" altLang="en-US" sz="1400" dirty="0"/>
+              <a:rPr lang="ko-KR" altLang="en-US" sz="2000" dirty="0"/>
               <a:t>상대의 체력을 먼저 없애는 쪽이 승리한다</a:t>
             </a:r>
             <a:r>
-              <a:rPr lang="en-US" altLang="ko-KR" sz="1400" dirty="0"/>
+              <a:rPr lang="en-US" altLang="ko-KR" sz="2000" dirty="0"/>
               <a:t>.</a:t>
             </a:r>
-            <a:endParaRPr lang="ko-KR" altLang="en-US" sz="1400" dirty="0"/>
+            <a:endParaRPr lang="ko-KR" altLang="en-US" sz="2000" dirty="0"/>
           </a:p>
         </p:txBody>
       </p:sp>
@@ -17924,42 +17887,6 @@
           </a:p>
         </p:txBody>
       </p:sp>
-      <p:pic>
-        <p:nvPicPr>
-          <p:cNvPr id="7" name="그림 6">
-            <a:extLst>
-              <a:ext uri="{FF2B5EF4-FFF2-40B4-BE49-F238E27FC236}">
-                <a16:creationId xmlns:a16="http://schemas.microsoft.com/office/drawing/2014/main" id="{05DE8859-4CF9-4863-9461-C8BE33534FFC}"/>
-              </a:ext>
-            </a:extLst>
-          </p:cNvPr>
-          <p:cNvPicPr>
-            <a:picLocks noChangeAspect="1"/>
-          </p:cNvPicPr>
-          <p:nvPr/>
-        </p:nvPicPr>
-        <p:blipFill>
-          <a:blip r:embed="rId4">
-            <a:extLst>
-              <a:ext uri="{28A0092B-C50C-407E-A947-70E740481C1C}">
-                <a14:useLocalDpi xmlns:a14="http://schemas.microsoft.com/office/drawing/2010/main" val="0"/>
-              </a:ext>
-            </a:extLst>
-          </a:blip>
-          <a:stretch>
-            <a:fillRect/>
-          </a:stretch>
-        </p:blipFill>
-        <p:spPr>
-          <a:xfrm>
-            <a:off x="5965794" y="1709601"/>
-            <a:ext cx="5247689" cy="2951825"/>
-          </a:xfrm>
-          <a:prstGeom prst="rect">
-            <a:avLst/>
-          </a:prstGeom>
-        </p:spPr>
-      </p:pic>
     </p:spTree>
     <p:extLst>
       <p:ext uri="{BB962C8B-B14F-4D97-AF65-F5344CB8AC3E}">
